--- a/slide-decks/using-external-tools-in-dapr-agents.pptx
+++ b/slide-decks/using-external-tools-in-dapr-agents.pptx
@@ -4,11 +4,13 @@
   <p:sldMasterIdLst>
     <p:sldMasterId id="2147483660" r:id="rId1"/>
   </p:sldMasterIdLst>
+  <p:notesMasterIdLst>
+    <p:notesMasterId r:id="rId5"/>
+  </p:notesMasterIdLst>
   <p:sldIdLst>
-    <p:sldId id="264" r:id="rId2"/>
-    <p:sldId id="263" r:id="rId3"/>
-    <p:sldId id="265" r:id="rId4"/>
-    <p:sldId id="266" r:id="rId5"/>
+    <p:sldId id="263" r:id="rId2"/>
+    <p:sldId id="265" r:id="rId3"/>
+    <p:sldId id="266" r:id="rId4"/>
   </p:sldIdLst>
   <p:sldSz cx="12192000" cy="6858000"/>
   <p:notesSz cx="6858000" cy="9144000"/>
@@ -107,6 +109,11 @@
       </a:defRPr>
     </a:lvl9pPr>
   </p:defaultTextStyle>
+  <p:extLst>
+    <p:ext uri="{EFAFB233-063F-42B5-8137-9DF3F51BA10A}">
+      <p15:sldGuideLst xmlns:p15="http://schemas.microsoft.com/office/powerpoint/2012/main"/>
+    </p:ext>
+  </p:extLst>
 </p:presentation>
 </file>
 
@@ -1716,7 +1723,7 @@
   <dgm:whole/>
   <dgm:extLst>
     <a:ext uri="http://schemas.microsoft.com/office/drawing/2008/diagram">
-      <dsp:dataModelExt xmlns:dsp="http://schemas.microsoft.com/office/drawing/2008/diagram" relId="rId6" minVer="http://schemas.openxmlformats.org/drawingml/2006/diagram"/>
+      <dsp:dataModelExt xmlns:dsp="http://schemas.microsoft.com/office/drawing/2008/diagram" relId="rId7" minVer="http://schemas.openxmlformats.org/drawingml/2006/diagram"/>
     </a:ext>
     <a:ext uri="{C62137D5-CB1D-491B-B009-E17868A290BF}">
       <dgm14:recolorImg xmlns:dgm14="http://schemas.microsoft.com/office/drawing/2010/diagram" val="1"/>
@@ -4758,6 +4765,870 @@
 </dgm:styleDef>
 </file>
 
+<file path=ppt/notesMasters/notesMaster1.xml><?xml version="1.0" encoding="utf-8"?>
+<p:notesMaster xmlns:a="http://schemas.openxmlformats.org/drawingml/2006/main" xmlns:r="http://schemas.openxmlformats.org/officeDocument/2006/relationships" xmlns:p="http://schemas.openxmlformats.org/presentationml/2006/main">
+  <p:cSld>
+    <p:bg>
+      <p:bgRef idx="1001">
+        <a:schemeClr val="bg1"/>
+      </p:bgRef>
+    </p:bg>
+    <p:spTree>
+      <p:nvGrpSpPr>
+        <p:cNvPr id="1" name=""/>
+        <p:cNvGrpSpPr/>
+        <p:nvPr/>
+      </p:nvGrpSpPr>
+      <p:grpSpPr>
+        <a:xfrm>
+          <a:off x="0" y="0"/>
+          <a:ext cx="0" cy="0"/>
+          <a:chOff x="0" y="0"/>
+          <a:chExt cx="0" cy="0"/>
+        </a:xfrm>
+      </p:grpSpPr>
+      <p:sp>
+        <p:nvSpPr>
+          <p:cNvPr id="2" name="Header Placeholder 1"/>
+          <p:cNvSpPr>
+            <a:spLocks noGrp="1"/>
+          </p:cNvSpPr>
+          <p:nvPr>
+            <p:ph type="hdr" sz="quarter"/>
+          </p:nvPr>
+        </p:nvSpPr>
+        <p:spPr>
+          <a:xfrm>
+            <a:off x="0" y="0"/>
+            <a:ext cx="2971800" cy="458788"/>
+          </a:xfrm>
+          <a:prstGeom prst="rect">
+            <a:avLst/>
+          </a:prstGeom>
+        </p:spPr>
+        <p:txBody>
+          <a:bodyPr vert="horz" lIns="91440" tIns="45720" rIns="91440" bIns="45720" rtlCol="0"/>
+          <a:lstStyle>
+            <a:lvl1pPr algn="l">
+              <a:defRPr sz="1200"/>
+            </a:lvl1pPr>
+          </a:lstStyle>
+          <a:p>
+            <a:endParaRPr lang="en-AU"/>
+          </a:p>
+        </p:txBody>
+      </p:sp>
+      <p:sp>
+        <p:nvSpPr>
+          <p:cNvPr id="3" name="Date Placeholder 2"/>
+          <p:cNvSpPr>
+            <a:spLocks noGrp="1"/>
+          </p:cNvSpPr>
+          <p:nvPr>
+            <p:ph type="dt" idx="1"/>
+          </p:nvPr>
+        </p:nvSpPr>
+        <p:spPr>
+          <a:xfrm>
+            <a:off x="3884613" y="0"/>
+            <a:ext cx="2971800" cy="458788"/>
+          </a:xfrm>
+          <a:prstGeom prst="rect">
+            <a:avLst/>
+          </a:prstGeom>
+        </p:spPr>
+        <p:txBody>
+          <a:bodyPr vert="horz" lIns="91440" tIns="45720" rIns="91440" bIns="45720" rtlCol="0"/>
+          <a:lstStyle>
+            <a:lvl1pPr algn="r">
+              <a:defRPr sz="1200"/>
+            </a:lvl1pPr>
+          </a:lstStyle>
+          <a:p>
+            <a:fld id="{28C188B8-A66D-482A-9217-6750EFE53C81}" type="datetimeFigureOut">
+              <a:rPr lang="en-AU" smtClean="0"/>
+              <a:t>30/08/2025</a:t>
+            </a:fld>
+            <a:endParaRPr lang="en-AU"/>
+          </a:p>
+        </p:txBody>
+      </p:sp>
+      <p:sp>
+        <p:nvSpPr>
+          <p:cNvPr id="4" name="Slide Image Placeholder 3"/>
+          <p:cNvSpPr>
+            <a:spLocks noGrp="1" noRot="1" noChangeAspect="1"/>
+          </p:cNvSpPr>
+          <p:nvPr>
+            <p:ph type="sldImg" idx="2"/>
+          </p:nvPr>
+        </p:nvSpPr>
+        <p:spPr>
+          <a:xfrm>
+            <a:off x="685800" y="1143000"/>
+            <a:ext cx="5486400" cy="3086100"/>
+          </a:xfrm>
+          <a:prstGeom prst="rect">
+            <a:avLst/>
+          </a:prstGeom>
+          <a:noFill/>
+          <a:ln w="12700">
+            <a:solidFill>
+              <a:prstClr val="black"/>
+            </a:solidFill>
+          </a:ln>
+        </p:spPr>
+        <p:txBody>
+          <a:bodyPr vert="horz" lIns="91440" tIns="45720" rIns="91440" bIns="45720" rtlCol="0" anchor="ctr"/>
+          <a:lstStyle/>
+          <a:p>
+            <a:endParaRPr lang="en-AU"/>
+          </a:p>
+        </p:txBody>
+      </p:sp>
+      <p:sp>
+        <p:nvSpPr>
+          <p:cNvPr id="5" name="Notes Placeholder 4"/>
+          <p:cNvSpPr>
+            <a:spLocks noGrp="1"/>
+          </p:cNvSpPr>
+          <p:nvPr>
+            <p:ph type="body" sz="quarter" idx="3"/>
+          </p:nvPr>
+        </p:nvSpPr>
+        <p:spPr>
+          <a:xfrm>
+            <a:off x="685800" y="4400550"/>
+            <a:ext cx="5486400" cy="3600450"/>
+          </a:xfrm>
+          <a:prstGeom prst="rect">
+            <a:avLst/>
+          </a:prstGeom>
+        </p:spPr>
+        <p:txBody>
+          <a:bodyPr vert="horz" lIns="91440" tIns="45720" rIns="91440" bIns="45720" rtlCol="0"/>
+          <a:lstStyle/>
+          <a:p>
+            <a:pPr lvl="0"/>
+            <a:r>
+              <a:rPr lang="en-US"/>
+              <a:t>Click to edit Master text styles</a:t>
+            </a:r>
+          </a:p>
+          <a:p>
+            <a:pPr lvl="1"/>
+            <a:r>
+              <a:rPr lang="en-US"/>
+              <a:t>Second level</a:t>
+            </a:r>
+          </a:p>
+          <a:p>
+            <a:pPr lvl="2"/>
+            <a:r>
+              <a:rPr lang="en-US"/>
+              <a:t>Third level</a:t>
+            </a:r>
+          </a:p>
+          <a:p>
+            <a:pPr lvl="3"/>
+            <a:r>
+              <a:rPr lang="en-US"/>
+              <a:t>Fourth level</a:t>
+            </a:r>
+          </a:p>
+          <a:p>
+            <a:pPr lvl="4"/>
+            <a:r>
+              <a:rPr lang="en-US"/>
+              <a:t>Fifth level</a:t>
+            </a:r>
+            <a:endParaRPr lang="en-AU"/>
+          </a:p>
+        </p:txBody>
+      </p:sp>
+      <p:sp>
+        <p:nvSpPr>
+          <p:cNvPr id="6" name="Footer Placeholder 5"/>
+          <p:cNvSpPr>
+            <a:spLocks noGrp="1"/>
+          </p:cNvSpPr>
+          <p:nvPr>
+            <p:ph type="ftr" sz="quarter" idx="4"/>
+          </p:nvPr>
+        </p:nvSpPr>
+        <p:spPr>
+          <a:xfrm>
+            <a:off x="0" y="8685213"/>
+            <a:ext cx="2971800" cy="458787"/>
+          </a:xfrm>
+          <a:prstGeom prst="rect">
+            <a:avLst/>
+          </a:prstGeom>
+        </p:spPr>
+        <p:txBody>
+          <a:bodyPr vert="horz" lIns="91440" tIns="45720" rIns="91440" bIns="45720" rtlCol="0" anchor="b"/>
+          <a:lstStyle>
+            <a:lvl1pPr algn="l">
+              <a:defRPr sz="1200"/>
+            </a:lvl1pPr>
+          </a:lstStyle>
+          <a:p>
+            <a:endParaRPr lang="en-AU"/>
+          </a:p>
+        </p:txBody>
+      </p:sp>
+      <p:sp>
+        <p:nvSpPr>
+          <p:cNvPr id="7" name="Slide Number Placeholder 6"/>
+          <p:cNvSpPr>
+            <a:spLocks noGrp="1"/>
+          </p:cNvSpPr>
+          <p:nvPr>
+            <p:ph type="sldNum" sz="quarter" idx="5"/>
+          </p:nvPr>
+        </p:nvSpPr>
+        <p:spPr>
+          <a:xfrm>
+            <a:off x="3884613" y="8685213"/>
+            <a:ext cx="2971800" cy="458787"/>
+          </a:xfrm>
+          <a:prstGeom prst="rect">
+            <a:avLst/>
+          </a:prstGeom>
+        </p:spPr>
+        <p:txBody>
+          <a:bodyPr vert="horz" lIns="91440" tIns="45720" rIns="91440" bIns="45720" rtlCol="0" anchor="b"/>
+          <a:lstStyle>
+            <a:lvl1pPr algn="r">
+              <a:defRPr sz="1200"/>
+            </a:lvl1pPr>
+          </a:lstStyle>
+          <a:p>
+            <a:fld id="{0EB76121-9F36-416F-B257-C521C6B65896}" type="slidenum">
+              <a:rPr lang="en-AU" smtClean="0"/>
+              <a:t>‹#›</a:t>
+            </a:fld>
+            <a:endParaRPr lang="en-AU"/>
+          </a:p>
+        </p:txBody>
+      </p:sp>
+    </p:spTree>
+    <p:extLst>
+      <p:ext uri="{BB962C8B-B14F-4D97-AF65-F5344CB8AC3E}">
+        <p14:creationId xmlns:p14="http://schemas.microsoft.com/office/powerpoint/2010/main" val="1901047815"/>
+      </p:ext>
+    </p:extLst>
+  </p:cSld>
+  <p:clrMap bg1="lt1" tx1="dk1" bg2="lt2" tx2="dk2" accent1="accent1" accent2="accent2" accent3="accent3" accent4="accent4" accent5="accent5" accent6="accent6" hlink="hlink" folHlink="folHlink"/>
+  <p:notesStyle>
+    <a:lvl1pPr marL="0" algn="l" defTabSz="914400" rtl="0" eaLnBrk="1" latinLnBrk="0" hangingPunct="1">
+      <a:defRPr sz="1200" kern="1200">
+        <a:solidFill>
+          <a:schemeClr val="tx1"/>
+        </a:solidFill>
+        <a:latin typeface="+mn-lt"/>
+        <a:ea typeface="+mn-ea"/>
+        <a:cs typeface="+mn-cs"/>
+      </a:defRPr>
+    </a:lvl1pPr>
+    <a:lvl2pPr marL="457200" algn="l" defTabSz="914400" rtl="0" eaLnBrk="1" latinLnBrk="0" hangingPunct="1">
+      <a:defRPr sz="1200" kern="1200">
+        <a:solidFill>
+          <a:schemeClr val="tx1"/>
+        </a:solidFill>
+        <a:latin typeface="+mn-lt"/>
+        <a:ea typeface="+mn-ea"/>
+        <a:cs typeface="+mn-cs"/>
+      </a:defRPr>
+    </a:lvl2pPr>
+    <a:lvl3pPr marL="914400" algn="l" defTabSz="914400" rtl="0" eaLnBrk="1" latinLnBrk="0" hangingPunct="1">
+      <a:defRPr sz="1200" kern="1200">
+        <a:solidFill>
+          <a:schemeClr val="tx1"/>
+        </a:solidFill>
+        <a:latin typeface="+mn-lt"/>
+        <a:ea typeface="+mn-ea"/>
+        <a:cs typeface="+mn-cs"/>
+      </a:defRPr>
+    </a:lvl3pPr>
+    <a:lvl4pPr marL="1371600" algn="l" defTabSz="914400" rtl="0" eaLnBrk="1" latinLnBrk="0" hangingPunct="1">
+      <a:defRPr sz="1200" kern="1200">
+        <a:solidFill>
+          <a:schemeClr val="tx1"/>
+        </a:solidFill>
+        <a:latin typeface="+mn-lt"/>
+        <a:ea typeface="+mn-ea"/>
+        <a:cs typeface="+mn-cs"/>
+      </a:defRPr>
+    </a:lvl4pPr>
+    <a:lvl5pPr marL="1828800" algn="l" defTabSz="914400" rtl="0" eaLnBrk="1" latinLnBrk="0" hangingPunct="1">
+      <a:defRPr sz="1200" kern="1200">
+        <a:solidFill>
+          <a:schemeClr val="tx1"/>
+        </a:solidFill>
+        <a:latin typeface="+mn-lt"/>
+        <a:ea typeface="+mn-ea"/>
+        <a:cs typeface="+mn-cs"/>
+      </a:defRPr>
+    </a:lvl5pPr>
+    <a:lvl6pPr marL="2286000" algn="l" defTabSz="914400" rtl="0" eaLnBrk="1" latinLnBrk="0" hangingPunct="1">
+      <a:defRPr sz="1200" kern="1200">
+        <a:solidFill>
+          <a:schemeClr val="tx1"/>
+        </a:solidFill>
+        <a:latin typeface="+mn-lt"/>
+        <a:ea typeface="+mn-ea"/>
+        <a:cs typeface="+mn-cs"/>
+      </a:defRPr>
+    </a:lvl6pPr>
+    <a:lvl7pPr marL="2743200" algn="l" defTabSz="914400" rtl="0" eaLnBrk="1" latinLnBrk="0" hangingPunct="1">
+      <a:defRPr sz="1200" kern="1200">
+        <a:solidFill>
+          <a:schemeClr val="tx1"/>
+        </a:solidFill>
+        <a:latin typeface="+mn-lt"/>
+        <a:ea typeface="+mn-ea"/>
+        <a:cs typeface="+mn-cs"/>
+      </a:defRPr>
+    </a:lvl7pPr>
+    <a:lvl8pPr marL="3200400" algn="l" defTabSz="914400" rtl="0" eaLnBrk="1" latinLnBrk="0" hangingPunct="1">
+      <a:defRPr sz="1200" kern="1200">
+        <a:solidFill>
+          <a:schemeClr val="tx1"/>
+        </a:solidFill>
+        <a:latin typeface="+mn-lt"/>
+        <a:ea typeface="+mn-ea"/>
+        <a:cs typeface="+mn-cs"/>
+      </a:defRPr>
+    </a:lvl8pPr>
+    <a:lvl9pPr marL="3657600" algn="l" defTabSz="914400" rtl="0" eaLnBrk="1" latinLnBrk="0" hangingPunct="1">
+      <a:defRPr sz="1200" kern="1200">
+        <a:solidFill>
+          <a:schemeClr val="tx1"/>
+        </a:solidFill>
+        <a:latin typeface="+mn-lt"/>
+        <a:ea typeface="+mn-ea"/>
+        <a:cs typeface="+mn-cs"/>
+      </a:defRPr>
+    </a:lvl9pPr>
+  </p:notesStyle>
+</p:notesMaster>
+</file>
+
+<file path=ppt/notesSlides/notesSlide1.xml><?xml version="1.0" encoding="utf-8"?>
+<p:notes xmlns:a="http://schemas.openxmlformats.org/drawingml/2006/main" xmlns:r="http://schemas.openxmlformats.org/officeDocument/2006/relationships" xmlns:p="http://schemas.openxmlformats.org/presentationml/2006/main">
+  <p:cSld>
+    <p:spTree>
+      <p:nvGrpSpPr>
+        <p:cNvPr id="1" name=""/>
+        <p:cNvGrpSpPr/>
+        <p:nvPr/>
+      </p:nvGrpSpPr>
+      <p:grpSpPr>
+        <a:xfrm>
+          <a:off x="0" y="0"/>
+          <a:ext cx="0" cy="0"/>
+          <a:chOff x="0" y="0"/>
+          <a:chExt cx="0" cy="0"/>
+        </a:xfrm>
+      </p:grpSpPr>
+      <p:sp>
+        <p:nvSpPr>
+          <p:cNvPr id="2" name="Slide Image Placeholder 1"/>
+          <p:cNvSpPr>
+            <a:spLocks noGrp="1" noRot="1" noChangeAspect="1"/>
+          </p:cNvSpPr>
+          <p:nvPr>
+            <p:ph type="sldImg"/>
+          </p:nvPr>
+        </p:nvSpPr>
+        <p:spPr/>
+      </p:sp>
+      <p:sp>
+        <p:nvSpPr>
+          <p:cNvPr id="3" name="Notes Placeholder 2"/>
+          <p:cNvSpPr>
+            <a:spLocks noGrp="1"/>
+          </p:cNvSpPr>
+          <p:nvPr>
+            <p:ph type="body" idx="1"/>
+          </p:nvPr>
+        </p:nvSpPr>
+        <p:spPr/>
+        <p:txBody>
+          <a:bodyPr/>
+          <a:lstStyle/>
+          <a:p>
+            <a:r>
+              <a:rPr lang="en-AU" dirty="0"/>
+              <a:t>Hi everyone, and welcome back to this series on building AI Agents with </a:t>
+            </a:r>
+            <a:r>
+              <a:rPr lang="en-AU" dirty="0" err="1"/>
+              <a:t>Dapr</a:t>
+            </a:r>
+            <a:r>
+              <a:rPr lang="en-AU" dirty="0"/>
+              <a:t> Agents. In our last video, we touched on using tools within our Agents, so let’s go a little deeper into that topic.</a:t>
+            </a:r>
+          </a:p>
+        </p:txBody>
+      </p:sp>
+      <p:sp>
+        <p:nvSpPr>
+          <p:cNvPr id="4" name="Slide Number Placeholder 3"/>
+          <p:cNvSpPr>
+            <a:spLocks noGrp="1"/>
+          </p:cNvSpPr>
+          <p:nvPr>
+            <p:ph type="sldNum" sz="quarter" idx="5"/>
+          </p:nvPr>
+        </p:nvSpPr>
+        <p:spPr/>
+        <p:txBody>
+          <a:bodyPr/>
+          <a:lstStyle/>
+          <a:p>
+            <a:fld id="{0EB76121-9F36-416F-B257-C521C6B65896}" type="slidenum">
+              <a:rPr lang="en-AU" smtClean="0"/>
+              <a:t>1</a:t>
+            </a:fld>
+            <a:endParaRPr lang="en-AU"/>
+          </a:p>
+        </p:txBody>
+      </p:sp>
+    </p:spTree>
+    <p:extLst>
+      <p:ext uri="{BB962C8B-B14F-4D97-AF65-F5344CB8AC3E}">
+        <p14:creationId xmlns:p14="http://schemas.microsoft.com/office/powerpoint/2010/main" val="2104683294"/>
+      </p:ext>
+    </p:extLst>
+  </p:cSld>
+  <p:clrMapOvr>
+    <a:masterClrMapping/>
+  </p:clrMapOvr>
+</p:notes>
+</file>
+
+<file path=ppt/notesSlides/notesSlide2.xml><?xml version="1.0" encoding="utf-8"?>
+<p:notes xmlns:a="http://schemas.openxmlformats.org/drawingml/2006/main" xmlns:r="http://schemas.openxmlformats.org/officeDocument/2006/relationships" xmlns:p="http://schemas.openxmlformats.org/presentationml/2006/main">
+  <p:cSld>
+    <p:spTree>
+      <p:nvGrpSpPr>
+        <p:cNvPr id="1" name=""/>
+        <p:cNvGrpSpPr/>
+        <p:nvPr/>
+      </p:nvGrpSpPr>
+      <p:grpSpPr>
+        <a:xfrm>
+          <a:off x="0" y="0"/>
+          <a:ext cx="0" cy="0"/>
+          <a:chOff x="0" y="0"/>
+          <a:chExt cx="0" cy="0"/>
+        </a:xfrm>
+      </p:grpSpPr>
+      <p:sp>
+        <p:nvSpPr>
+          <p:cNvPr id="2" name="Slide Image Placeholder 1"/>
+          <p:cNvSpPr>
+            <a:spLocks noGrp="1" noRot="1" noChangeAspect="1"/>
+          </p:cNvSpPr>
+          <p:nvPr>
+            <p:ph type="sldImg"/>
+          </p:nvPr>
+        </p:nvSpPr>
+        <p:spPr/>
+      </p:sp>
+      <p:sp>
+        <p:nvSpPr>
+          <p:cNvPr id="3" name="Notes Placeholder 2"/>
+          <p:cNvSpPr>
+            <a:spLocks noGrp="1"/>
+          </p:cNvSpPr>
+          <p:nvPr>
+            <p:ph type="body" idx="1"/>
+          </p:nvPr>
+        </p:nvSpPr>
+        <p:spPr/>
+        <p:txBody>
+          <a:bodyPr/>
+          <a:lstStyle/>
+          <a:p>
+            <a:r>
+              <a:rPr lang="en-AU" dirty="0"/>
+              <a:t>With tool selection, </a:t>
+            </a:r>
+            <a:r>
+              <a:rPr lang="en-US" sz="1200" b="0" i="0" kern="1200" dirty="0">
+                <a:solidFill>
+                  <a:schemeClr val="tx1"/>
+                </a:solidFill>
+                <a:effectLst/>
+                <a:latin typeface="+mn-lt"/>
+                <a:ea typeface="+mn-ea"/>
+                <a:cs typeface="+mn-cs"/>
+              </a:rPr>
+              <a:t>Agents dynamically select the appropriate tool for a given task, using LLMs to analyze requirements and choose the best action. This is supported directly through LLM parametric knowledge and enhanced by </a:t>
+            </a:r>
+            <a:r>
+              <a:rPr lang="en-US" sz="1200" b="0" i="0" u="none" strike="noStrike" kern="1200" dirty="0">
+                <a:solidFill>
+                  <a:schemeClr val="tx1"/>
+                </a:solidFill>
+                <a:effectLst/>
+                <a:latin typeface="+mn-lt"/>
+                <a:ea typeface="+mn-ea"/>
+                <a:cs typeface="+mn-cs"/>
+                <a:hlinkClick r:id="rId3"/>
+              </a:rPr>
+              <a:t>Function Calling</a:t>
+            </a:r>
+            <a:r>
+              <a:rPr lang="en-US" sz="1200" b="0" i="0" kern="1200" dirty="0">
+                <a:solidFill>
+                  <a:schemeClr val="tx1"/>
+                </a:solidFill>
+                <a:effectLst/>
+                <a:latin typeface="+mn-lt"/>
+                <a:ea typeface="+mn-ea"/>
+                <a:cs typeface="+mn-cs"/>
+              </a:rPr>
+              <a:t>, ensuring tools are invoked efficiently and accurately.</a:t>
+            </a:r>
+          </a:p>
+          <a:p>
+            <a:endParaRPr lang="en-US" sz="1200" b="0" i="0" kern="1200" dirty="0">
+              <a:solidFill>
+                <a:schemeClr val="tx1"/>
+              </a:solidFill>
+              <a:effectLst/>
+              <a:latin typeface="+mn-lt"/>
+              <a:ea typeface="+mn-ea"/>
+              <a:cs typeface="+mn-cs"/>
+            </a:endParaRPr>
+          </a:p>
+          <a:p>
+            <a:r>
+              <a:rPr lang="en-US" sz="1200" b="0" i="0" kern="1200" dirty="0">
+                <a:solidFill>
+                  <a:schemeClr val="tx1"/>
+                </a:solidFill>
+                <a:effectLst/>
+                <a:latin typeface="+mn-lt"/>
+                <a:ea typeface="+mn-ea"/>
+                <a:cs typeface="+mn-cs"/>
+              </a:rPr>
+              <a:t>Tool Calling is an essential pattern in autonomous agent design, allowing AI agents to interact dynamically with external tools based on user input. One reliable method for enabling this is through </a:t>
+            </a:r>
+            <a:r>
+              <a:rPr lang="en-US" sz="1200" b="0" i="0" u="none" strike="noStrike" kern="1200" dirty="0">
+                <a:solidFill>
+                  <a:schemeClr val="tx1"/>
+                </a:solidFill>
+                <a:effectLst/>
+                <a:latin typeface="+mn-lt"/>
+                <a:ea typeface="+mn-ea"/>
+                <a:cs typeface="+mn-cs"/>
+                <a:hlinkClick r:id="rId3"/>
+              </a:rPr>
+              <a:t>OpenAI's Function Calling</a:t>
+            </a:r>
+            <a:r>
+              <a:rPr lang="en-US" sz="1200" b="0" i="0" kern="1200" dirty="0">
+                <a:solidFill>
+                  <a:schemeClr val="tx1"/>
+                </a:solidFill>
+                <a:effectLst/>
+                <a:latin typeface="+mn-lt"/>
+                <a:ea typeface="+mn-ea"/>
+                <a:cs typeface="+mn-cs"/>
+              </a:rPr>
+              <a:t> capability. This feature allows developers to describe functions to models trained to generate structured JSON objects containing the necessary arguments for tool execution, based on user queries.</a:t>
+            </a:r>
+          </a:p>
+          <a:p>
+            <a:endParaRPr lang="en-US" sz="1200" b="0" i="0" kern="1200" dirty="0">
+              <a:solidFill>
+                <a:schemeClr val="tx1"/>
+              </a:solidFill>
+              <a:effectLst/>
+              <a:latin typeface="+mn-lt"/>
+              <a:ea typeface="+mn-ea"/>
+              <a:cs typeface="+mn-cs"/>
+            </a:endParaRPr>
+          </a:p>
+          <a:p>
+            <a:r>
+              <a:rPr lang="en-US" sz="1200" b="0" i="0" kern="1200" dirty="0">
+                <a:solidFill>
+                  <a:schemeClr val="tx1"/>
+                </a:solidFill>
+                <a:effectLst/>
+                <a:latin typeface="+mn-lt"/>
+                <a:ea typeface="+mn-ea"/>
+                <a:cs typeface="+mn-cs"/>
+              </a:rPr>
+              <a:t>So taking this example here, </a:t>
+            </a:r>
+          </a:p>
+          <a:p>
+            <a:endParaRPr lang="en-US" sz="1200" b="0" i="0" kern="1200" dirty="0">
+              <a:solidFill>
+                <a:schemeClr val="tx1"/>
+              </a:solidFill>
+              <a:effectLst/>
+              <a:latin typeface="+mn-lt"/>
+              <a:ea typeface="+mn-ea"/>
+              <a:cs typeface="+mn-cs"/>
+            </a:endParaRPr>
+          </a:p>
+          <a:p>
+            <a:r>
+              <a:rPr lang="en-US" sz="1200" b="0" i="0" kern="1200" dirty="0">
+                <a:solidFill>
+                  <a:schemeClr val="tx1"/>
+                </a:solidFill>
+                <a:effectLst/>
+                <a:latin typeface="+mn-lt"/>
+                <a:ea typeface="+mn-ea"/>
+                <a:cs typeface="+mn-cs"/>
+              </a:rPr>
+              <a:t>The user submits a query specifying a task and the available tools.</a:t>
+            </a:r>
+          </a:p>
+          <a:p>
+            <a:r>
+              <a:rPr lang="en-US" sz="1200" b="0" i="0" kern="1200" dirty="0">
+                <a:solidFill>
+                  <a:schemeClr val="tx1"/>
+                </a:solidFill>
+                <a:effectLst/>
+                <a:latin typeface="+mn-lt"/>
+                <a:ea typeface="+mn-ea"/>
+                <a:cs typeface="+mn-cs"/>
+              </a:rPr>
+              <a:t>The LLM analyzes the query and selects the right tool for the task.</a:t>
+            </a:r>
+          </a:p>
+          <a:p>
+            <a:r>
+              <a:rPr lang="en-US" sz="1200" b="0" i="0" kern="1200" dirty="0">
+                <a:solidFill>
+                  <a:schemeClr val="tx1"/>
+                </a:solidFill>
+                <a:effectLst/>
+                <a:latin typeface="+mn-lt"/>
+                <a:ea typeface="+mn-ea"/>
+                <a:cs typeface="+mn-cs"/>
+              </a:rPr>
+              <a:t>The LLM provides a structured JSON output containing the tool’s unique ID, name, and arguments.</a:t>
+            </a:r>
+          </a:p>
+          <a:p>
+            <a:r>
+              <a:rPr lang="en-US" sz="1200" b="0" i="0" kern="1200" dirty="0">
+                <a:solidFill>
+                  <a:schemeClr val="tx1"/>
+                </a:solidFill>
+                <a:effectLst/>
+                <a:latin typeface="+mn-lt"/>
+                <a:ea typeface="+mn-ea"/>
+                <a:cs typeface="+mn-cs"/>
+              </a:rPr>
+              <a:t>The AI agent parses the JSON, executes the tool with the provided arguments, and sends the results back as a tool message.</a:t>
+            </a:r>
+          </a:p>
+          <a:p>
+            <a:r>
+              <a:rPr lang="en-US" sz="1200" b="0" i="0" kern="1200" dirty="0">
+                <a:solidFill>
+                  <a:schemeClr val="tx1"/>
+                </a:solidFill>
+                <a:effectLst/>
+                <a:latin typeface="+mn-lt"/>
+                <a:ea typeface="+mn-ea"/>
+                <a:cs typeface="+mn-cs"/>
+              </a:rPr>
+              <a:t>The LLM then summarizes the tool's execution results within the user’s context to deliver a comprehensive final response.</a:t>
+            </a:r>
+          </a:p>
+          <a:p>
+            <a:endParaRPr lang="en-US" sz="1200" b="0" i="0" kern="1200" dirty="0">
+              <a:solidFill>
+                <a:schemeClr val="tx1"/>
+              </a:solidFill>
+              <a:effectLst/>
+              <a:latin typeface="+mn-lt"/>
+              <a:ea typeface="+mn-ea"/>
+              <a:cs typeface="+mn-cs"/>
+            </a:endParaRPr>
+          </a:p>
+          <a:p>
+            <a:r>
+              <a:rPr lang="en-US" sz="1200" b="0" i="0" kern="1200" dirty="0">
+                <a:solidFill>
+                  <a:schemeClr val="tx1"/>
+                </a:solidFill>
+                <a:effectLst/>
+                <a:latin typeface="+mn-lt"/>
+                <a:ea typeface="+mn-ea"/>
+                <a:cs typeface="+mn-cs"/>
+              </a:rPr>
+              <a:t>This pattern is highly flexible and supports multiple iterations of tool selection and execution, empowering agents to handle dynamic and multi-step tasks more effectively.</a:t>
+            </a:r>
+          </a:p>
+          <a:p>
+            <a:endParaRPr lang="en-AU" dirty="0"/>
+          </a:p>
+        </p:txBody>
+      </p:sp>
+      <p:sp>
+        <p:nvSpPr>
+          <p:cNvPr id="4" name="Slide Number Placeholder 3"/>
+          <p:cNvSpPr>
+            <a:spLocks noGrp="1"/>
+          </p:cNvSpPr>
+          <p:nvPr>
+            <p:ph type="sldNum" sz="quarter" idx="5"/>
+          </p:nvPr>
+        </p:nvSpPr>
+        <p:spPr/>
+        <p:txBody>
+          <a:bodyPr/>
+          <a:lstStyle/>
+          <a:p>
+            <a:fld id="{0EB76121-9F36-416F-B257-C521C6B65896}" type="slidenum">
+              <a:rPr lang="en-AU" smtClean="0"/>
+              <a:t>2</a:t>
+            </a:fld>
+            <a:endParaRPr lang="en-AU"/>
+          </a:p>
+        </p:txBody>
+      </p:sp>
+    </p:spTree>
+    <p:extLst>
+      <p:ext uri="{BB962C8B-B14F-4D97-AF65-F5344CB8AC3E}">
+        <p14:creationId xmlns:p14="http://schemas.microsoft.com/office/powerpoint/2010/main" val="1854670042"/>
+      </p:ext>
+    </p:extLst>
+  </p:cSld>
+  <p:clrMapOvr>
+    <a:masterClrMapping/>
+  </p:clrMapOvr>
+</p:notes>
+</file>
+
+<file path=ppt/notesSlides/notesSlide3.xml><?xml version="1.0" encoding="utf-8"?>
+<p:notes xmlns:a="http://schemas.openxmlformats.org/drawingml/2006/main" xmlns:r="http://schemas.openxmlformats.org/officeDocument/2006/relationships" xmlns:p="http://schemas.openxmlformats.org/presentationml/2006/main">
+  <p:cSld>
+    <p:spTree>
+      <p:nvGrpSpPr>
+        <p:cNvPr id="1" name=""/>
+        <p:cNvGrpSpPr/>
+        <p:nvPr/>
+      </p:nvGrpSpPr>
+      <p:grpSpPr>
+        <a:xfrm>
+          <a:off x="0" y="0"/>
+          <a:ext cx="0" cy="0"/>
+          <a:chOff x="0" y="0"/>
+          <a:chExt cx="0" cy="0"/>
+        </a:xfrm>
+      </p:grpSpPr>
+      <p:sp>
+        <p:nvSpPr>
+          <p:cNvPr id="2" name="Slide Image Placeholder 1"/>
+          <p:cNvSpPr>
+            <a:spLocks noGrp="1" noRot="1" noChangeAspect="1"/>
+          </p:cNvSpPr>
+          <p:nvPr>
+            <p:ph type="sldImg"/>
+          </p:nvPr>
+        </p:nvSpPr>
+        <p:spPr/>
+      </p:sp>
+      <p:sp>
+        <p:nvSpPr>
+          <p:cNvPr id="3" name="Notes Placeholder 2"/>
+          <p:cNvSpPr>
+            <a:spLocks noGrp="1"/>
+          </p:cNvSpPr>
+          <p:nvPr>
+            <p:ph type="body" idx="1"/>
+          </p:nvPr>
+        </p:nvSpPr>
+        <p:spPr/>
+        <p:txBody>
+          <a:bodyPr/>
+          <a:lstStyle/>
+          <a:p>
+            <a:r>
+              <a:rPr lang="en-AU" dirty="0"/>
+              <a:t>Now that we’ve gone into some detail around tools in </a:t>
+            </a:r>
+            <a:r>
+              <a:rPr lang="en-AU" dirty="0" err="1"/>
+              <a:t>Dapr</a:t>
+            </a:r>
+            <a:r>
+              <a:rPr lang="en-AU" dirty="0"/>
+              <a:t>, let’s see how they work in action. We’ll take a look at how we can create tools for our </a:t>
+            </a:r>
+            <a:r>
+              <a:rPr lang="en-AU" dirty="0" err="1"/>
+              <a:t>Dapr</a:t>
+            </a:r>
+            <a:r>
+              <a:rPr lang="en-AU" dirty="0"/>
+              <a:t> Agents and how we can use them. We’ll also look at how we can work with Agent memory, and how we can add some observability in </a:t>
+            </a:r>
+            <a:r>
+              <a:rPr lang="en-AU" dirty="0" err="1"/>
+              <a:t>Dapr</a:t>
+            </a:r>
+            <a:r>
+              <a:rPr lang="en-AU" dirty="0"/>
+              <a:t> Agents so we can see which tools our Agents are selecting for specific tasks.</a:t>
+            </a:r>
+          </a:p>
+        </p:txBody>
+      </p:sp>
+      <p:sp>
+        <p:nvSpPr>
+          <p:cNvPr id="4" name="Slide Number Placeholder 3"/>
+          <p:cNvSpPr>
+            <a:spLocks noGrp="1"/>
+          </p:cNvSpPr>
+          <p:nvPr>
+            <p:ph type="sldNum" sz="quarter" idx="5"/>
+          </p:nvPr>
+        </p:nvSpPr>
+        <p:spPr/>
+        <p:txBody>
+          <a:bodyPr/>
+          <a:lstStyle/>
+          <a:p>
+            <a:fld id="{0EB76121-9F36-416F-B257-C521C6B65896}" type="slidenum">
+              <a:rPr lang="en-AU" smtClean="0"/>
+              <a:t>3</a:t>
+            </a:fld>
+            <a:endParaRPr lang="en-AU"/>
+          </a:p>
+        </p:txBody>
+      </p:sp>
+    </p:spTree>
+    <p:extLst>
+      <p:ext uri="{BB962C8B-B14F-4D97-AF65-F5344CB8AC3E}">
+        <p14:creationId xmlns:p14="http://schemas.microsoft.com/office/powerpoint/2010/main" val="4197636036"/>
+      </p:ext>
+    </p:extLst>
+  </p:cSld>
+  <p:clrMapOvr>
+    <a:masterClrMapping/>
+  </p:clrMapOvr>
+</p:notes>
+</file>
+
 <file path=ppt/slideLayouts/slideLayout1.xml><?xml version="1.0" encoding="utf-8"?>
 <p:sldLayout xmlns:a="http://schemas.openxmlformats.org/drawingml/2006/main" xmlns:r="http://schemas.openxmlformats.org/officeDocument/2006/relationships" xmlns:p="http://schemas.openxmlformats.org/presentationml/2006/main" showMasterSp="0" type="title" preserve="1">
   <p:cSld name="Title Slide">
@@ -23540,7 +24411,7 @@
           <p:cNvPr id="4" name="Rectangle 3">
             <a:extLst>
               <a:ext uri="{FF2B5EF4-FFF2-40B4-BE49-F238E27FC236}">
-                <a16:creationId xmlns:a16="http://schemas.microsoft.com/office/drawing/2014/main" id="{31E6AA85-1E54-5F0C-E499-4F66D76AA329}"/>
+                <a16:creationId xmlns:a16="http://schemas.microsoft.com/office/drawing/2014/main" id="{15D73C47-2770-30A3-51F7-BA0B51D668C7}"/>
               </a:ext>
             </a:extLst>
           </p:cNvPr>
@@ -23581,129 +24452,6 @@
           </a:p>
         </p:txBody>
       </p:sp>
-      <p:pic>
-        <p:nvPicPr>
-          <p:cNvPr id="1026" name="Picture 2" descr="Home - Dapr Agents">
-            <a:extLst>
-              <a:ext uri="{FF2B5EF4-FFF2-40B4-BE49-F238E27FC236}">
-                <a16:creationId xmlns:a16="http://schemas.microsoft.com/office/drawing/2014/main" id="{3EA83C2E-55C9-5BAA-9DA7-6F7EAF3DADA5}"/>
-              </a:ext>
-            </a:extLst>
-          </p:cNvPr>
-          <p:cNvPicPr>
-            <a:picLocks noChangeAspect="1" noChangeArrowheads="1"/>
-          </p:cNvPicPr>
-          <p:nvPr/>
-        </p:nvPicPr>
-        <p:blipFill>
-          <a:blip r:embed="rId2">
-            <a:extLst>
-              <a:ext uri="{28A0092B-C50C-407E-A947-70E740481C1C}">
-                <a14:useLocalDpi xmlns:a14="http://schemas.microsoft.com/office/drawing/2010/main" val="0"/>
-              </a:ext>
-            </a:extLst>
-          </a:blip>
-          <a:srcRect/>
-          <a:stretch>
-            <a:fillRect/>
-          </a:stretch>
-        </p:blipFill>
-        <p:spPr bwMode="auto">
-          <a:xfrm>
-            <a:off x="2006930" y="942820"/>
-            <a:ext cx="4972360" cy="4972360"/>
-          </a:xfrm>
-          <a:prstGeom prst="rect">
-            <a:avLst/>
-          </a:prstGeom>
-          <a:noFill/>
-          <a:extLst>
-            <a:ext uri="{909E8E84-426E-40DD-AFC4-6F175D3DCCD1}">
-              <a14:hiddenFill xmlns:a14="http://schemas.microsoft.com/office/drawing/2010/main">
-                <a:solidFill>
-                  <a:srgbClr val="FFFFFF"/>
-                </a:solidFill>
-              </a14:hiddenFill>
-            </a:ext>
-          </a:extLst>
-        </p:spPr>
-      </p:pic>
-    </p:spTree>
-    <p:extLst>
-      <p:ext uri="{BB962C8B-B14F-4D97-AF65-F5344CB8AC3E}">
-        <p14:creationId xmlns:p14="http://schemas.microsoft.com/office/powerpoint/2010/main" val="1130843247"/>
-      </p:ext>
-    </p:extLst>
-  </p:cSld>
-  <p:clrMapOvr>
-    <a:masterClrMapping/>
-  </p:clrMapOvr>
-</p:sld>
-</file>
-
-<file path=ppt/slides/slide2.xml><?xml version="1.0" encoding="utf-8"?>
-<p:sld xmlns:a="http://schemas.openxmlformats.org/drawingml/2006/main" xmlns:r="http://schemas.openxmlformats.org/officeDocument/2006/relationships" xmlns:p="http://schemas.openxmlformats.org/presentationml/2006/main">
-  <p:cSld>
-    <p:spTree>
-      <p:nvGrpSpPr>
-        <p:cNvPr id="1" name=""/>
-        <p:cNvGrpSpPr/>
-        <p:nvPr/>
-      </p:nvGrpSpPr>
-      <p:grpSpPr>
-        <a:xfrm>
-          <a:off x="0" y="0"/>
-          <a:ext cx="0" cy="0"/>
-          <a:chOff x="0" y="0"/>
-          <a:chExt cx="0" cy="0"/>
-        </a:xfrm>
-      </p:grpSpPr>
-      <p:sp>
-        <p:nvSpPr>
-          <p:cNvPr id="4" name="Rectangle 3">
-            <a:extLst>
-              <a:ext uri="{FF2B5EF4-FFF2-40B4-BE49-F238E27FC236}">
-                <a16:creationId xmlns:a16="http://schemas.microsoft.com/office/drawing/2014/main" id="{15D73C47-2770-30A3-51F7-BA0B51D668C7}"/>
-              </a:ext>
-            </a:extLst>
-          </p:cNvPr>
-          <p:cNvSpPr/>
-          <p:nvPr/>
-        </p:nvSpPr>
-        <p:spPr>
-          <a:xfrm>
-            <a:off x="8953995" y="3764478"/>
-            <a:ext cx="3238005" cy="3093522"/>
-          </a:xfrm>
-          <a:prstGeom prst="rect">
-            <a:avLst/>
-          </a:prstGeom>
-        </p:spPr>
-        <p:style>
-          <a:lnRef idx="2">
-            <a:schemeClr val="accent1">
-              <a:shade val="15000"/>
-            </a:schemeClr>
-          </a:lnRef>
-          <a:fillRef idx="1">
-            <a:schemeClr val="accent1"/>
-          </a:fillRef>
-          <a:effectRef idx="0">
-            <a:schemeClr val="accent1"/>
-          </a:effectRef>
-          <a:fontRef idx="minor">
-            <a:schemeClr val="lt1"/>
-          </a:fontRef>
-        </p:style>
-        <p:txBody>
-          <a:bodyPr rtlCol="0" anchor="ctr"/>
-          <a:lstStyle/>
-          <a:p>
-            <a:pPr algn="ctr"/>
-            <a:endParaRPr lang="en-AU"/>
-          </a:p>
-        </p:txBody>
-      </p:sp>
       <p:graphicFrame>
         <p:nvGraphicFramePr>
           <p:cNvPr id="5" name="Diagram 4">
@@ -23722,7 +24470,7 @@
         </p:xfrm>
         <a:graphic>
           <a:graphicData uri="http://schemas.openxmlformats.org/drawingml/2006/diagram">
-            <dgm:relIds xmlns:dgm="http://schemas.openxmlformats.org/drawingml/2006/diagram" xmlns:r="http://schemas.openxmlformats.org/officeDocument/2006/relationships" r:dm="rId2" r:lo="rId3" r:qs="rId4" r:cs="rId5"/>
+            <dgm:relIds xmlns:dgm="http://schemas.openxmlformats.org/drawingml/2006/diagram" xmlns:r="http://schemas.openxmlformats.org/officeDocument/2006/relationships" r:dm="rId3" r:lo="rId4" r:qs="rId5" r:cs="rId6"/>
           </a:graphicData>
         </a:graphic>
       </p:graphicFrame>
@@ -23741,7 +24489,7 @@
           <p:nvPr/>
         </p:nvPicPr>
         <p:blipFill>
-          <a:blip r:embed="rId7">
+          <a:blip r:embed="rId8">
             <a:extLst>
               <a:ext uri="{28A0092B-C50C-407E-A947-70E740481C1C}">
                 <a14:useLocalDpi xmlns:a14="http://schemas.microsoft.com/office/drawing/2010/main" val="0"/>
@@ -23773,6 +24521,58 @@
           </a:extLst>
         </p:spPr>
       </p:pic>
+      <p:sp>
+        <p:nvSpPr>
+          <p:cNvPr id="2" name="Rectangle 1">
+            <a:extLst>
+              <a:ext uri="{FF2B5EF4-FFF2-40B4-BE49-F238E27FC236}">
+                <a16:creationId xmlns:a16="http://schemas.microsoft.com/office/drawing/2014/main" id="{17D236CB-B423-307B-B9B5-E8D0C35DD888}"/>
+              </a:ext>
+            </a:extLst>
+          </p:cNvPr>
+          <p:cNvSpPr/>
+          <p:nvPr/>
+        </p:nvSpPr>
+        <p:spPr>
+          <a:xfrm>
+            <a:off x="4811660" y="1671176"/>
+            <a:ext cx="1643063" cy="1057275"/>
+          </a:xfrm>
+          <a:prstGeom prst="rect">
+            <a:avLst/>
+          </a:prstGeom>
+          <a:noFill/>
+          <a:ln w="63500">
+            <a:solidFill>
+              <a:srgbClr val="FF0000"/>
+            </a:solidFill>
+          </a:ln>
+        </p:spPr>
+        <p:style>
+          <a:lnRef idx="2">
+            <a:schemeClr val="accent1">
+              <a:shade val="15000"/>
+            </a:schemeClr>
+          </a:lnRef>
+          <a:fillRef idx="1">
+            <a:schemeClr val="accent1"/>
+          </a:fillRef>
+          <a:effectRef idx="0">
+            <a:schemeClr val="accent1"/>
+          </a:effectRef>
+          <a:fontRef idx="minor">
+            <a:schemeClr val="lt1"/>
+          </a:fontRef>
+        </p:style>
+        <p:txBody>
+          <a:bodyPr rtlCol="0" anchor="ctr"/>
+          <a:lstStyle/>
+          <a:p>
+            <a:pPr algn="ctr"/>
+            <a:endParaRPr lang="en-AU"/>
+          </a:p>
+        </p:txBody>
+      </p:sp>
     </p:spTree>
     <p:extLst>
       <p:ext uri="{BB962C8B-B14F-4D97-AF65-F5344CB8AC3E}">
@@ -23783,10 +24583,96 @@
   <p:clrMapOvr>
     <a:masterClrMapping/>
   </p:clrMapOvr>
+  <p:timing>
+    <p:tnLst>
+      <p:par>
+        <p:cTn id="1" dur="indefinite" restart="never" nodeType="tmRoot">
+          <p:childTnLst>
+            <p:seq concurrent="1" nextAc="seek">
+              <p:cTn id="2" dur="indefinite" nodeType="mainSeq">
+                <p:childTnLst>
+                  <p:par>
+                    <p:cTn id="3" fill="hold">
+                      <p:stCondLst>
+                        <p:cond delay="indefinite"/>
+                      </p:stCondLst>
+                      <p:childTnLst>
+                        <p:par>
+                          <p:cTn id="4" fill="hold">
+                            <p:stCondLst>
+                              <p:cond delay="0"/>
+                            </p:stCondLst>
+                            <p:childTnLst>
+                              <p:par>
+                                <p:cTn id="5" presetID="10" presetClass="entr" presetSubtype="0" fill="hold" grpId="0" nodeType="clickEffect">
+                                  <p:stCondLst>
+                                    <p:cond delay="0"/>
+                                  </p:stCondLst>
+                                  <p:childTnLst>
+                                    <p:set>
+                                      <p:cBhvr>
+                                        <p:cTn id="6" dur="1" fill="hold">
+                                          <p:stCondLst>
+                                            <p:cond delay="0"/>
+                                          </p:stCondLst>
+                                        </p:cTn>
+                                        <p:tgtEl>
+                                          <p:spTgt spid="2"/>
+                                        </p:tgtEl>
+                                        <p:attrNameLst>
+                                          <p:attrName>style.visibility</p:attrName>
+                                        </p:attrNameLst>
+                                      </p:cBhvr>
+                                      <p:to>
+                                        <p:strVal val="visible"/>
+                                      </p:to>
+                                    </p:set>
+                                    <p:animEffect transition="in" filter="fade">
+                                      <p:cBhvr>
+                                        <p:cTn id="7" dur="500"/>
+                                        <p:tgtEl>
+                                          <p:spTgt spid="2"/>
+                                        </p:tgtEl>
+                                      </p:cBhvr>
+                                    </p:animEffect>
+                                  </p:childTnLst>
+                                </p:cTn>
+                              </p:par>
+                            </p:childTnLst>
+                          </p:cTn>
+                        </p:par>
+                      </p:childTnLst>
+                    </p:cTn>
+                  </p:par>
+                </p:childTnLst>
+              </p:cTn>
+              <p:prevCondLst>
+                <p:cond evt="onPrev" delay="0">
+                  <p:tgtEl>
+                    <p:sldTgt/>
+                  </p:tgtEl>
+                </p:cond>
+              </p:prevCondLst>
+              <p:nextCondLst>
+                <p:cond evt="onNext" delay="0">
+                  <p:tgtEl>
+                    <p:sldTgt/>
+                  </p:tgtEl>
+                </p:cond>
+              </p:nextCondLst>
+            </p:seq>
+          </p:childTnLst>
+        </p:cTn>
+      </p:par>
+    </p:tnLst>
+    <p:bldLst>
+      <p:bldP spid="2" grpId="0" animBg="1"/>
+    </p:bldLst>
+  </p:timing>
 </p:sld>
 </file>
 
-<file path=ppt/slides/slide3.xml><?xml version="1.0" encoding="utf-8"?>
+<file path=ppt/slides/slide2.xml><?xml version="1.0" encoding="utf-8"?>
 <p:sld xmlns:a="http://schemas.openxmlformats.org/drawingml/2006/main" xmlns:r="http://schemas.openxmlformats.org/officeDocument/2006/relationships" xmlns:p="http://schemas.openxmlformats.org/presentationml/2006/main">
   <p:cSld>
     <p:spTree>
@@ -23892,7 +24778,7 @@
           <p:nvPr/>
         </p:nvPicPr>
         <p:blipFill>
-          <a:blip r:embed="rId2">
+          <a:blip r:embed="rId3">
             <a:extLst>
               <a:ext uri="{28A0092B-C50C-407E-A947-70E740481C1C}">
                 <a14:useLocalDpi xmlns:a14="http://schemas.microsoft.com/office/drawing/2010/main" val="0"/>
@@ -23941,7 +24827,7 @@
           </p:nvPr>
         </p:nvPicPr>
         <p:blipFill>
-          <a:blip r:embed="rId3">
+          <a:blip r:embed="rId4">
             <a:extLst>
               <a:ext uri="{28A0092B-C50C-407E-A947-70E740481C1C}">
                 <a14:useLocalDpi xmlns:a14="http://schemas.microsoft.com/office/drawing/2010/main" val="0"/>
@@ -23983,10 +24869,22 @@
   <p:clrMapOvr>
     <a:masterClrMapping/>
   </p:clrMapOvr>
+  <mc:AlternateContent xmlns:mc="http://schemas.openxmlformats.org/markup-compatibility/2006">
+    <mc:Choice xmlns:p14="http://schemas.microsoft.com/office/powerpoint/2010/main" Requires="p14">
+      <p:transition spd="med" p14:dur="700">
+        <p:fade/>
+      </p:transition>
+    </mc:Choice>
+    <mc:Fallback>
+      <p:transition spd="med">
+        <p:fade/>
+      </p:transition>
+    </mc:Fallback>
+  </mc:AlternateContent>
 </p:sld>
 </file>
 
-<file path=ppt/slides/slide4.xml><?xml version="1.0" encoding="utf-8"?>
+<file path=ppt/slides/slide3.xml><?xml version="1.0" encoding="utf-8"?>
 <p:sld xmlns:a="http://schemas.openxmlformats.org/drawingml/2006/main" xmlns:r="http://schemas.openxmlformats.org/officeDocument/2006/relationships" xmlns:p="http://schemas.openxmlformats.org/presentationml/2006/main">
   <p:cSld>
     <p:spTree>
@@ -24199,7 +25097,7 @@
           <p:nvPr/>
         </p:nvPicPr>
         <p:blipFill>
-          <a:blip r:embed="rId2">
+          <a:blip r:embed="rId3">
             <a:extLst>
               <a:ext uri="{28A0092B-C50C-407E-A947-70E740481C1C}">
                 <a14:useLocalDpi xmlns:a14="http://schemas.microsoft.com/office/drawing/2010/main" val="0"/>
@@ -24241,6 +25139,18 @@
   <p:clrMapOvr>
     <a:masterClrMapping/>
   </p:clrMapOvr>
+  <mc:AlternateContent xmlns:mc="http://schemas.openxmlformats.org/markup-compatibility/2006">
+    <mc:Choice xmlns:p14="http://schemas.microsoft.com/office/powerpoint/2010/main" Requires="p14">
+      <p:transition spd="med" p14:dur="700">
+        <p:fade/>
+      </p:transition>
+    </mc:Choice>
+    <mc:Fallback>
+      <p:transition spd="med">
+        <p:fade/>
+      </p:transition>
+    </mc:Fallback>
+  </mc:AlternateContent>
 </p:sld>
 </file>
 
@@ -24443,4 +25353,319 @@
     </a:ext>
   </a:extLst>
 </a:theme>
+</file>
+
+<file path=ppt/theme/theme2.xml><?xml version="1.0" encoding="utf-8"?>
+<a:theme xmlns:a="http://schemas.openxmlformats.org/drawingml/2006/main" name="Office Theme">
+  <a:themeElements>
+    <a:clrScheme name="Office">
+      <a:dk1>
+        <a:sysClr val="windowText" lastClr="000000"/>
+      </a:dk1>
+      <a:lt1>
+        <a:sysClr val="window" lastClr="FFFFFF"/>
+      </a:lt1>
+      <a:dk2>
+        <a:srgbClr val="0E2841"/>
+      </a:dk2>
+      <a:lt2>
+        <a:srgbClr val="E8E8E8"/>
+      </a:lt2>
+      <a:accent1>
+        <a:srgbClr val="156082"/>
+      </a:accent1>
+      <a:accent2>
+        <a:srgbClr val="E97132"/>
+      </a:accent2>
+      <a:accent3>
+        <a:srgbClr val="196B24"/>
+      </a:accent3>
+      <a:accent4>
+        <a:srgbClr val="0F9ED5"/>
+      </a:accent4>
+      <a:accent5>
+        <a:srgbClr val="A02B93"/>
+      </a:accent5>
+      <a:accent6>
+        <a:srgbClr val="4EA72E"/>
+      </a:accent6>
+      <a:hlink>
+        <a:srgbClr val="467886"/>
+      </a:hlink>
+      <a:folHlink>
+        <a:srgbClr val="96607D"/>
+      </a:folHlink>
+    </a:clrScheme>
+    <a:fontScheme name="Office">
+      <a:majorFont>
+        <a:latin typeface="Aptos Display" panose="02110004020202020204"/>
+        <a:ea typeface=""/>
+        <a:cs typeface=""/>
+        <a:font script="Jpan" typeface="游ゴシック Light"/>
+        <a:font script="Hang" typeface="맑은 고딕"/>
+        <a:font script="Hans" typeface="等线 Light"/>
+        <a:font script="Hant" typeface="新細明體"/>
+        <a:font script="Arab" typeface="Times New Roman"/>
+        <a:font script="Hebr" typeface="Times New Roman"/>
+        <a:font script="Thai" typeface="Angsana New"/>
+        <a:font script="Ethi" typeface="Nyala"/>
+        <a:font script="Beng" typeface="Vrinda"/>
+        <a:font script="Gujr" typeface="Shruti"/>
+        <a:font script="Khmr" typeface="MoolBoran"/>
+        <a:font script="Knda" typeface="Tunga"/>
+        <a:font script="Guru" typeface="Raavi"/>
+        <a:font script="Cans" typeface="Euphemia"/>
+        <a:font script="Cher" typeface="Plantagenet Cherokee"/>
+        <a:font script="Yiii" typeface="Microsoft Yi Baiti"/>
+        <a:font script="Tibt" typeface="Microsoft Himalaya"/>
+        <a:font script="Thaa" typeface="MV Boli"/>
+        <a:font script="Deva" typeface="Mangal"/>
+        <a:font script="Telu" typeface="Gautami"/>
+        <a:font script="Taml" typeface="Latha"/>
+        <a:font script="Syrc" typeface="Estrangelo Edessa"/>
+        <a:font script="Orya" typeface="Kalinga"/>
+        <a:font script="Mlym" typeface="Kartika"/>
+        <a:font script="Laoo" typeface="DokChampa"/>
+        <a:font script="Sinh" typeface="Iskoola Pota"/>
+        <a:font script="Mong" typeface="Mongolian Baiti"/>
+        <a:font script="Viet" typeface="Times New Roman"/>
+        <a:font script="Uigh" typeface="Microsoft Uighur"/>
+        <a:font script="Geor" typeface="Sylfaen"/>
+        <a:font script="Armn" typeface="Arial"/>
+        <a:font script="Bugi" typeface="Leelawadee UI"/>
+        <a:font script="Bopo" typeface="Microsoft JhengHei"/>
+        <a:font script="Java" typeface="Javanese Text"/>
+        <a:font script="Lisu" typeface="Segoe UI"/>
+        <a:font script="Mymr" typeface="Myanmar Text"/>
+        <a:font script="Nkoo" typeface="Ebrima"/>
+        <a:font script="Olck" typeface="Nirmala UI"/>
+        <a:font script="Osma" typeface="Ebrima"/>
+        <a:font script="Phag" typeface="Phagspa"/>
+        <a:font script="Syrn" typeface="Estrangelo Edessa"/>
+        <a:font script="Syrj" typeface="Estrangelo Edessa"/>
+        <a:font script="Syre" typeface="Estrangelo Edessa"/>
+        <a:font script="Sora" typeface="Nirmala UI"/>
+        <a:font script="Tale" typeface="Microsoft Tai Le"/>
+        <a:font script="Talu" typeface="Microsoft New Tai Lue"/>
+        <a:font script="Tfng" typeface="Ebrima"/>
+      </a:majorFont>
+      <a:minorFont>
+        <a:latin typeface="Aptos" panose="02110004020202020204"/>
+        <a:ea typeface=""/>
+        <a:cs typeface=""/>
+        <a:font script="Jpan" typeface="游ゴシック"/>
+        <a:font script="Hang" typeface="맑은 고딕"/>
+        <a:font script="Hans" typeface="等线"/>
+        <a:font script="Hant" typeface="新細明體"/>
+        <a:font script="Arab" typeface="Arial"/>
+        <a:font script="Hebr" typeface="Arial"/>
+        <a:font script="Thai" typeface="Cordia New"/>
+        <a:font script="Ethi" typeface="Nyala"/>
+        <a:font script="Beng" typeface="Vrinda"/>
+        <a:font script="Gujr" typeface="Shruti"/>
+        <a:font script="Khmr" typeface="DaunPenh"/>
+        <a:font script="Knda" typeface="Tunga"/>
+        <a:font script="Guru" typeface="Raavi"/>
+        <a:font script="Cans" typeface="Euphemia"/>
+        <a:font script="Cher" typeface="Plantagenet Cherokee"/>
+        <a:font script="Yiii" typeface="Microsoft Yi Baiti"/>
+        <a:font script="Tibt" typeface="Microsoft Himalaya"/>
+        <a:font script="Thaa" typeface="MV Boli"/>
+        <a:font script="Deva" typeface="Mangal"/>
+        <a:font script="Telu" typeface="Gautami"/>
+        <a:font script="Taml" typeface="Latha"/>
+        <a:font script="Syrc" typeface="Estrangelo Edessa"/>
+        <a:font script="Orya" typeface="Kalinga"/>
+        <a:font script="Mlym" typeface="Kartika"/>
+        <a:font script="Laoo" typeface="DokChampa"/>
+        <a:font script="Sinh" typeface="Iskoola Pota"/>
+        <a:font script="Mong" typeface="Mongolian Baiti"/>
+        <a:font script="Viet" typeface="Arial"/>
+        <a:font script="Uigh" typeface="Microsoft Uighur"/>
+        <a:font script="Geor" typeface="Sylfaen"/>
+        <a:font script="Armn" typeface="Arial"/>
+        <a:font script="Bugi" typeface="Leelawadee UI"/>
+        <a:font script="Bopo" typeface="Microsoft JhengHei"/>
+        <a:font script="Java" typeface="Javanese Text"/>
+        <a:font script="Lisu" typeface="Segoe UI"/>
+        <a:font script="Mymr" typeface="Myanmar Text"/>
+        <a:font script="Nkoo" typeface="Ebrima"/>
+        <a:font script="Olck" typeface="Nirmala UI"/>
+        <a:font script="Osma" typeface="Ebrima"/>
+        <a:font script="Phag" typeface="Phagspa"/>
+        <a:font script="Syrn" typeface="Estrangelo Edessa"/>
+        <a:font script="Syrj" typeface="Estrangelo Edessa"/>
+        <a:font script="Syre" typeface="Estrangelo Edessa"/>
+        <a:font script="Sora" typeface="Nirmala UI"/>
+        <a:font script="Tale" typeface="Microsoft Tai Le"/>
+        <a:font script="Talu" typeface="Microsoft New Tai Lue"/>
+        <a:font script="Tfng" typeface="Ebrima"/>
+      </a:minorFont>
+    </a:fontScheme>
+    <a:fmtScheme name="Office">
+      <a:fillStyleLst>
+        <a:solidFill>
+          <a:schemeClr val="phClr"/>
+        </a:solidFill>
+        <a:gradFill rotWithShape="1">
+          <a:gsLst>
+            <a:gs pos="0">
+              <a:schemeClr val="phClr">
+                <a:lumMod val="110000"/>
+                <a:satMod val="105000"/>
+                <a:tint val="67000"/>
+              </a:schemeClr>
+            </a:gs>
+            <a:gs pos="50000">
+              <a:schemeClr val="phClr">
+                <a:lumMod val="105000"/>
+                <a:satMod val="103000"/>
+                <a:tint val="73000"/>
+              </a:schemeClr>
+            </a:gs>
+            <a:gs pos="100000">
+              <a:schemeClr val="phClr">
+                <a:lumMod val="105000"/>
+                <a:satMod val="109000"/>
+                <a:tint val="81000"/>
+              </a:schemeClr>
+            </a:gs>
+          </a:gsLst>
+          <a:lin ang="5400000" scaled="0"/>
+        </a:gradFill>
+        <a:gradFill rotWithShape="1">
+          <a:gsLst>
+            <a:gs pos="0">
+              <a:schemeClr val="phClr">
+                <a:satMod val="103000"/>
+                <a:lumMod val="102000"/>
+                <a:tint val="94000"/>
+              </a:schemeClr>
+            </a:gs>
+            <a:gs pos="50000">
+              <a:schemeClr val="phClr">
+                <a:satMod val="110000"/>
+                <a:lumMod val="100000"/>
+                <a:shade val="100000"/>
+              </a:schemeClr>
+            </a:gs>
+            <a:gs pos="100000">
+              <a:schemeClr val="phClr">
+                <a:lumMod val="99000"/>
+                <a:satMod val="120000"/>
+                <a:shade val="78000"/>
+              </a:schemeClr>
+            </a:gs>
+          </a:gsLst>
+          <a:lin ang="5400000" scaled="0"/>
+        </a:gradFill>
+      </a:fillStyleLst>
+      <a:lnStyleLst>
+        <a:ln w="12700" cap="flat" cmpd="sng" algn="ctr">
+          <a:solidFill>
+            <a:schemeClr val="phClr"/>
+          </a:solidFill>
+          <a:prstDash val="solid"/>
+          <a:miter lim="800000"/>
+        </a:ln>
+        <a:ln w="19050" cap="flat" cmpd="sng" algn="ctr">
+          <a:solidFill>
+            <a:schemeClr val="phClr"/>
+          </a:solidFill>
+          <a:prstDash val="solid"/>
+          <a:miter lim="800000"/>
+        </a:ln>
+        <a:ln w="25400" cap="flat" cmpd="sng" algn="ctr">
+          <a:solidFill>
+            <a:schemeClr val="phClr"/>
+          </a:solidFill>
+          <a:prstDash val="solid"/>
+          <a:miter lim="800000"/>
+        </a:ln>
+      </a:lnStyleLst>
+      <a:effectStyleLst>
+        <a:effectStyle>
+          <a:effectLst/>
+        </a:effectStyle>
+        <a:effectStyle>
+          <a:effectLst/>
+        </a:effectStyle>
+        <a:effectStyle>
+          <a:effectLst>
+            <a:outerShdw blurRad="57150" dist="19050" dir="5400000" algn="ctr" rotWithShape="0">
+              <a:srgbClr val="000000">
+                <a:alpha val="63000"/>
+              </a:srgbClr>
+            </a:outerShdw>
+          </a:effectLst>
+        </a:effectStyle>
+      </a:effectStyleLst>
+      <a:bgFillStyleLst>
+        <a:solidFill>
+          <a:schemeClr val="phClr"/>
+        </a:solidFill>
+        <a:solidFill>
+          <a:schemeClr val="phClr">
+            <a:tint val="95000"/>
+            <a:satMod val="170000"/>
+          </a:schemeClr>
+        </a:solidFill>
+        <a:gradFill rotWithShape="1">
+          <a:gsLst>
+            <a:gs pos="0">
+              <a:schemeClr val="phClr">
+                <a:tint val="93000"/>
+                <a:satMod val="150000"/>
+                <a:shade val="98000"/>
+                <a:lumMod val="102000"/>
+              </a:schemeClr>
+            </a:gs>
+            <a:gs pos="50000">
+              <a:schemeClr val="phClr">
+                <a:tint val="98000"/>
+                <a:satMod val="130000"/>
+                <a:shade val="90000"/>
+                <a:lumMod val="103000"/>
+              </a:schemeClr>
+            </a:gs>
+            <a:gs pos="100000">
+              <a:schemeClr val="phClr">
+                <a:shade val="63000"/>
+                <a:satMod val="120000"/>
+              </a:schemeClr>
+            </a:gs>
+          </a:gsLst>
+          <a:lin ang="5400000" scaled="0"/>
+        </a:gradFill>
+      </a:bgFillStyleLst>
+    </a:fmtScheme>
+  </a:themeElements>
+  <a:objectDefaults>
+    <a:lnDef>
+      <a:spPr/>
+      <a:bodyPr/>
+      <a:lstStyle/>
+      <a:style>
+        <a:lnRef idx="2">
+          <a:schemeClr val="accent1"/>
+        </a:lnRef>
+        <a:fillRef idx="0">
+          <a:schemeClr val="accent1"/>
+        </a:fillRef>
+        <a:effectRef idx="1">
+          <a:schemeClr val="accent1"/>
+        </a:effectRef>
+        <a:fontRef idx="minor">
+          <a:schemeClr val="tx1"/>
+        </a:fontRef>
+      </a:style>
+    </a:lnDef>
+  </a:objectDefaults>
+  <a:extraClrSchemeLst/>
+  <a:extLst>
+    <a:ext uri="{05A4C25C-085E-4340-85A3-A5531E510DB2}">
+      <thm15:themeFamily xmlns:thm15="http://schemas.microsoft.com/office/thememl/2012/main" name="Office Theme" id="{2E142A2C-CD16-42D6-873A-C26D2A0506FA}" vid="{1BDDFF52-6CD6-40A5-AB3C-68EB2F1E4D0A}"/>
+    </a:ext>
+  </a:extLst>
+</a:theme>
 </file>